--- a/Using PowerShell and Python in Node.js(Local MeetUp)/Using PowerShell and Python in Node.js(Local MeetUp).pptx
+++ b/Using PowerShell and Python in Node.js(Local MeetUp)/Using PowerShell and Python in Node.js(Local MeetUp).pptx
@@ -4872,6 +4872,14 @@
               </a:rPr>
               <a:t>Hey Let’s Route! </a:t>
             </a:r>
+            <a:r>
+              <a:rPr lang="en-US" smtClean="0">
+                <a:solidFill>
+                  <a:schemeClr val="bg1"/>
+                </a:solidFill>
+              </a:rPr>
+              <a:t>With PARAM! </a:t>
+            </a:r>
             <a:endParaRPr lang="en-US" dirty="0">
               <a:solidFill>
                 <a:schemeClr val="bg1"/>
